--- a/final/1st review/FAKE CURRENCY DETECTION USING IMAGE PROCESSING final ppr.pptx
+++ b/final/1st review/FAKE CURRENCY DETECTION USING IMAGE PROCESSING final ppr.pptx
@@ -4700,41 +4700,6 @@
           </a:p>
         </p:txBody>
       </p:sp>
-      <p:pic>
-        <p:nvPicPr>
-          <p:cNvPr id="4" name="Content Placeholder 4">
-            <a:extLst>
-              <a:ext uri="{FF2B5EF4-FFF2-40B4-BE49-F238E27FC236}">
-                <a16:creationId xmlns:a16="http://schemas.microsoft.com/office/drawing/2014/main" id="{FE4E9BD0-8E9F-10DF-814F-B9C65C4E587A}"/>
-              </a:ext>
-            </a:extLst>
-          </p:cNvPr>
-          <p:cNvPicPr>
-            <a:picLocks noGrp="1" noChangeAspect="1"/>
-          </p:cNvPicPr>
-          <p:nvPr>
-            <p:ph idx="1"/>
-          </p:nvPr>
-        </p:nvPicPr>
-        <p:blipFill>
-          <a:blip r:embed="rId2">
-            <a:extLst>
-              <a:ext uri="{28A0092B-C50C-407E-A947-70E740481C1C}">
-                <a14:useLocalDpi xmlns:a14="http://schemas.microsoft.com/office/drawing/2010/main" val="0"/>
-              </a:ext>
-            </a:extLst>
-          </a:blip>
-          <a:stretch>
-            <a:fillRect/>
-          </a:stretch>
-        </p:blipFill>
-        <p:spPr>
-          <a:xfrm>
-            <a:off x="2386012" y="2086769"/>
-            <a:ext cx="7419975" cy="3829050"/>
-          </a:xfrm>
-        </p:spPr>
-      </p:pic>
       <p:sp>
         <p:nvSpPr>
           <p:cNvPr id="5" name="Rectangle 4">
@@ -4831,6 +4796,41 @@
           </a:p>
         </p:txBody>
       </p:sp>
+      <p:pic>
+        <p:nvPicPr>
+          <p:cNvPr id="9" name="Content Placeholder 8">
+            <a:extLst>
+              <a:ext uri="{FF2B5EF4-FFF2-40B4-BE49-F238E27FC236}">
+                <a16:creationId xmlns:a16="http://schemas.microsoft.com/office/drawing/2014/main" id="{F927FAE3-8CC8-529E-027A-C62D10618F7A}"/>
+              </a:ext>
+            </a:extLst>
+          </p:cNvPr>
+          <p:cNvPicPr>
+            <a:picLocks noGrp="1" noChangeAspect="1"/>
+          </p:cNvPicPr>
+          <p:nvPr>
+            <p:ph idx="1"/>
+          </p:nvPr>
+        </p:nvPicPr>
+        <p:blipFill>
+          <a:blip r:embed="rId2">
+            <a:extLst>
+              <a:ext uri="{28A0092B-C50C-407E-A947-70E740481C1C}">
+                <a14:useLocalDpi xmlns:a14="http://schemas.microsoft.com/office/drawing/2010/main" val="0"/>
+              </a:ext>
+            </a:extLst>
+          </a:blip>
+          <a:stretch>
+            <a:fillRect/>
+          </a:stretch>
+        </p:blipFill>
+        <p:spPr>
+          <a:xfrm>
+            <a:off x="1439050" y="1825625"/>
+            <a:ext cx="9313900" cy="4351338"/>
+          </a:xfrm>
+        </p:spPr>
+      </p:pic>
     </p:spTree>
     <p:extLst>
       <p:ext uri="{BB962C8B-B14F-4D97-AF65-F5344CB8AC3E}">
